--- a/Docs/slides_v4.pptx
+++ b/Docs/slides_v4.pptx
@@ -13950,13 +13950,13 @@
   <p:clrMapOvr>
     <a:masterClrMapping/>
   </p:clrMapOvr>
-  <mc:AlternateContent xmlns:mc="http://schemas.openxmlformats.org/markup-compatibility/2006">
-    <mc:Choice xmlns:p14="http://schemas.microsoft.com/office/powerpoint/2010/main" Requires="p14">
+  <mc:AlternateContent xmlns:mc="http://schemas.openxmlformats.org/markup-compatibility/2006" xmlns:p14="http://schemas.microsoft.com/office/powerpoint/2010/main">
+    <mc:Choice Requires="p14">
       <p:transition p14:dur="250">
         <p:fade/>
       </p:transition>
     </mc:Choice>
-    <mc:Fallback>
+    <mc:Fallback xmlns="">
       <p:transition>
         <p:fade/>
       </p:transition>
@@ -17617,7 +17617,7 @@
           <a:p>
             <a:pPr algn="ctr"/>
             <a:r>
-              <a:rPr lang="en-US" altLang="zh-TW" b="1" dirty="0" smtClean="0">
+              <a:rPr lang="en-US" altLang="zh-TW" b="1" smtClean="0">
                 <a:solidFill>
                   <a:schemeClr val="accent2">
                     <a:lumMod val="75000"/>
@@ -17627,7 +17627,7 @@
                 <a:ea typeface="Comic Sans MS" charset="0"/>
                 <a:cs typeface="Comic Sans MS" charset="0"/>
               </a:rPr>
-              <a:t>Conclusion</a:t>
+              <a:t>Conclusions</a:t>
             </a:r>
             <a:endParaRPr lang="zh-TW" altLang="en-US" b="1" dirty="0">
               <a:solidFill>
@@ -18053,11 +18053,6 @@
               </a:rPr>
               <a:t>demand</a:t>
             </a:r>
-            <a:endParaRPr lang="en-US" altLang="zh-TW" sz="3600" dirty="0" smtClean="0">
-              <a:latin typeface="Comic Sans MS" charset="0"/>
-              <a:ea typeface="Comic Sans MS" charset="0"/>
-              <a:cs typeface="Comic Sans MS" charset="0"/>
-            </a:endParaRPr>
           </a:p>
           <a:p>
             <a:pPr>

--- a/Docs/slides_v4.pptx
+++ b/Docs/slides_v4.pptx
@@ -119,7 +119,7 @@
   </p:defaultTextStyle>
   <p:extLst>
     <p:ext uri="{EFAFB233-063F-42B5-8137-9DF3F51BA10A}">
-      <p15:sldGuideLst xmlns:p15="http://schemas.microsoft.com/office/powerpoint/2012/main">
+      <p15:sldGuideLst xmlns:p15="http://schemas.microsoft.com/office/powerpoint/2012/main" xmlns="">
         <p15:guide id="1" orient="horz" pos="2160">
           <p15:clr>
             <a:srgbClr val="A4A3A4"/>
@@ -4216,13 +4216,13 @@
   <p:clrMapOvr>
     <a:masterClrMapping/>
   </p:clrMapOvr>
-  <mc:AlternateContent xmlns:mc="http://schemas.openxmlformats.org/markup-compatibility/2006">
-    <mc:Choice xmlns:p14="http://schemas.microsoft.com/office/powerpoint/2010/main" Requires="p14">
+  <mc:AlternateContent xmlns:mc="http://schemas.openxmlformats.org/markup-compatibility/2006" xmlns:p14="http://schemas.microsoft.com/office/powerpoint/2010/main">
+    <mc:Choice Requires="p14">
       <p:transition p14:dur="250">
         <p:fade/>
       </p:transition>
     </mc:Choice>
-    <mc:Fallback>
+    <mc:Fallback xmlns="">
       <p:transition>
         <p:fade/>
       </p:transition>
@@ -4325,13 +4325,13 @@
   <p:clrMapOvr>
     <a:masterClrMapping/>
   </p:clrMapOvr>
-  <mc:AlternateContent xmlns:mc="http://schemas.openxmlformats.org/markup-compatibility/2006">
-    <mc:Choice xmlns:p14="http://schemas.microsoft.com/office/powerpoint/2010/main" Requires="p14">
+  <mc:AlternateContent xmlns:mc="http://schemas.openxmlformats.org/markup-compatibility/2006" xmlns:p14="http://schemas.microsoft.com/office/powerpoint/2010/main">
+    <mc:Choice Requires="p14">
       <p:transition p14:dur="250">
         <p:fade/>
       </p:transition>
     </mc:Choice>
-    <mc:Fallback>
+    <mc:Fallback xmlns="">
       <p:transition>
         <p:fade/>
       </p:transition>
@@ -15354,7 +15354,7 @@
           <p:nvPr/>
         </p:nvPicPr>
         <p:blipFill>
-          <a:blip r:embed="rId4" cstate="print">
+          <a:blip r:embed="rId6" cstate="print">
             <a:extLst>
               <a:ext uri="{28A0092B-C50C-407E-A947-70E740481C1C}">
                 <a14:useLocalDpi xmlns:a14="http://schemas.microsoft.com/office/drawing/2010/main" val="0"/>
@@ -15474,7 +15474,7 @@
           <p:nvPr/>
         </p:nvPicPr>
         <p:blipFill>
-          <a:blip r:embed="rId6" cstate="print">
+          <a:blip r:embed="rId7" cstate="print">
             <a:extLst>
               <a:ext uri="{28A0092B-C50C-407E-A947-70E740481C1C}">
                 <a14:useLocalDpi xmlns:a14="http://schemas.microsoft.com/office/drawing/2010/main" val="0"/>
@@ -15498,6 +15498,283 @@
       <p:pic>
         <p:nvPicPr>
           <p:cNvPr id="17" name="圖片 16"/>
+          <p:cNvPicPr>
+            <a:picLocks noChangeAspect="1"/>
+          </p:cNvPicPr>
+          <p:nvPr/>
+        </p:nvPicPr>
+        <p:blipFill>
+          <a:blip r:embed="rId8" cstate="print">
+            <a:extLst>
+              <a:ext uri="{28A0092B-C50C-407E-A947-70E740481C1C}">
+                <a14:useLocalDpi xmlns:a14="http://schemas.microsoft.com/office/drawing/2010/main" val="0"/>
+              </a:ext>
+            </a:extLst>
+          </a:blip>
+          <a:stretch>
+            <a:fillRect/>
+          </a:stretch>
+        </p:blipFill>
+        <p:spPr>
+          <a:xfrm>
+            <a:off x="4840379" y="1700680"/>
+            <a:ext cx="1415840" cy="656621"/>
+          </a:xfrm>
+          <a:prstGeom prst="rect">
+            <a:avLst/>
+          </a:prstGeom>
+        </p:spPr>
+      </p:pic>
+      <p:pic>
+        <p:nvPicPr>
+          <p:cNvPr id="18" name="圖片 17"/>
+          <p:cNvPicPr>
+            <a:picLocks noChangeAspect="1"/>
+          </p:cNvPicPr>
+          <p:nvPr/>
+        </p:nvPicPr>
+        <p:blipFill>
+          <a:blip r:embed="rId8" cstate="print">
+            <a:extLst>
+              <a:ext uri="{28A0092B-C50C-407E-A947-70E740481C1C}">
+                <a14:useLocalDpi xmlns:a14="http://schemas.microsoft.com/office/drawing/2010/main" val="0"/>
+              </a:ext>
+            </a:extLst>
+          </a:blip>
+          <a:stretch>
+            <a:fillRect/>
+          </a:stretch>
+        </p:blipFill>
+        <p:spPr>
+          <a:xfrm>
+            <a:off x="6411647" y="2379011"/>
+            <a:ext cx="1415840" cy="656621"/>
+          </a:xfrm>
+          <a:prstGeom prst="rect">
+            <a:avLst/>
+          </a:prstGeom>
+        </p:spPr>
+      </p:pic>
+      <p:pic>
+        <p:nvPicPr>
+          <p:cNvPr id="19" name="圖片 18"/>
+          <p:cNvPicPr>
+            <a:picLocks noChangeAspect="1"/>
+          </p:cNvPicPr>
+          <p:nvPr/>
+        </p:nvPicPr>
+        <p:blipFill>
+          <a:blip r:embed="rId8" cstate="print">
+            <a:extLst>
+              <a:ext uri="{28A0092B-C50C-407E-A947-70E740481C1C}">
+                <a14:useLocalDpi xmlns:a14="http://schemas.microsoft.com/office/drawing/2010/main" val="0"/>
+              </a:ext>
+            </a:extLst>
+          </a:blip>
+          <a:stretch>
+            <a:fillRect/>
+          </a:stretch>
+        </p:blipFill>
+        <p:spPr>
+          <a:xfrm>
+            <a:off x="4867703" y="2397169"/>
+            <a:ext cx="1415840" cy="656621"/>
+          </a:xfrm>
+          <a:prstGeom prst="rect">
+            <a:avLst/>
+          </a:prstGeom>
+        </p:spPr>
+      </p:pic>
+      <p:pic>
+        <p:nvPicPr>
+          <p:cNvPr id="20" name="圖片 19"/>
+          <p:cNvPicPr>
+            <a:picLocks noChangeAspect="1"/>
+          </p:cNvPicPr>
+          <p:nvPr/>
+        </p:nvPicPr>
+        <p:blipFill>
+          <a:blip r:embed="rId8" cstate="print">
+            <a:extLst>
+              <a:ext uri="{28A0092B-C50C-407E-A947-70E740481C1C}">
+                <a14:useLocalDpi xmlns:a14="http://schemas.microsoft.com/office/drawing/2010/main" val="0"/>
+              </a:ext>
+            </a:extLst>
+          </a:blip>
+          <a:stretch>
+            <a:fillRect/>
+          </a:stretch>
+        </p:blipFill>
+        <p:spPr>
+          <a:xfrm>
+            <a:off x="8010239" y="1710706"/>
+            <a:ext cx="1415840" cy="656621"/>
+          </a:xfrm>
+          <a:prstGeom prst="rect">
+            <a:avLst/>
+          </a:prstGeom>
+        </p:spPr>
+      </p:pic>
+      <p:pic>
+        <p:nvPicPr>
+          <p:cNvPr id="21" name="圖片 20"/>
+          <p:cNvPicPr>
+            <a:picLocks noChangeAspect="1"/>
+          </p:cNvPicPr>
+          <p:nvPr/>
+        </p:nvPicPr>
+        <p:blipFill>
+          <a:blip r:embed="rId9" cstate="print">
+            <a:duotone>
+              <a:prstClr val="black"/>
+              <a:schemeClr val="accent6">
+                <a:tint val="45000"/>
+                <a:satMod val="400000"/>
+              </a:schemeClr>
+            </a:duotone>
+            <a:extLst>
+              <a:ext uri="{28A0092B-C50C-407E-A947-70E740481C1C}">
+                <a14:useLocalDpi xmlns:a14="http://schemas.microsoft.com/office/drawing/2010/main" val="0"/>
+              </a:ext>
+            </a:extLst>
+          </a:blip>
+          <a:stretch>
+            <a:fillRect/>
+          </a:stretch>
+        </p:blipFill>
+        <p:spPr>
+          <a:xfrm>
+            <a:off x="9711294" y="1947975"/>
+            <a:ext cx="874629" cy="973836"/>
+          </a:xfrm>
+          <a:prstGeom prst="rect">
+            <a:avLst/>
+          </a:prstGeom>
+        </p:spPr>
+      </p:pic>
+      <p:pic>
+        <p:nvPicPr>
+          <p:cNvPr id="24" name="圖片 23"/>
+          <p:cNvPicPr>
+            <a:picLocks noChangeAspect="1"/>
+          </p:cNvPicPr>
+          <p:nvPr/>
+        </p:nvPicPr>
+        <p:blipFill>
+          <a:blip r:embed="rId10" cstate="print">
+            <a:extLst>
+              <a:ext uri="{28A0092B-C50C-407E-A947-70E740481C1C}">
+                <a14:useLocalDpi xmlns:a14="http://schemas.microsoft.com/office/drawing/2010/main" val="0"/>
+              </a:ext>
+            </a:extLst>
+          </a:blip>
+          <a:stretch>
+            <a:fillRect/>
+          </a:stretch>
+        </p:blipFill>
+        <p:spPr>
+          <a:xfrm>
+            <a:off x="5974048" y="4341453"/>
+            <a:ext cx="3364999" cy="1709931"/>
+          </a:xfrm>
+          <a:prstGeom prst="rect">
+            <a:avLst/>
+          </a:prstGeom>
+        </p:spPr>
+      </p:pic>
+      <p:pic>
+        <p:nvPicPr>
+          <p:cNvPr id="25" name="圖片 24"/>
+          <p:cNvPicPr>
+            <a:picLocks noChangeAspect="1"/>
+          </p:cNvPicPr>
+          <p:nvPr/>
+        </p:nvPicPr>
+        <p:blipFill>
+          <a:blip r:embed="rId8" cstate="print">
+            <a:extLst>
+              <a:ext uri="{28A0092B-C50C-407E-A947-70E740481C1C}">
+                <a14:useLocalDpi xmlns:a14="http://schemas.microsoft.com/office/drawing/2010/main" val="0"/>
+              </a:ext>
+            </a:extLst>
+          </a:blip>
+          <a:stretch>
+            <a:fillRect/>
+          </a:stretch>
+        </p:blipFill>
+        <p:spPr>
+          <a:xfrm>
+            <a:off x="8010239" y="2402306"/>
+            <a:ext cx="1415840" cy="656621"/>
+          </a:xfrm>
+          <a:prstGeom prst="rect">
+            <a:avLst/>
+          </a:prstGeom>
+        </p:spPr>
+      </p:pic>
+      <p:pic>
+        <p:nvPicPr>
+          <p:cNvPr id="26" name="圖片 25"/>
+          <p:cNvPicPr>
+            <a:picLocks noChangeAspect="1"/>
+          </p:cNvPicPr>
+          <p:nvPr/>
+        </p:nvPicPr>
+        <p:blipFill>
+          <a:blip r:embed="rId8" cstate="print">
+            <a:extLst>
+              <a:ext uri="{28A0092B-C50C-407E-A947-70E740481C1C}">
+                <a14:useLocalDpi xmlns:a14="http://schemas.microsoft.com/office/drawing/2010/main" val="0"/>
+              </a:ext>
+            </a:extLst>
+          </a:blip>
+          <a:stretch>
+            <a:fillRect/>
+          </a:stretch>
+        </p:blipFill>
+        <p:spPr>
+          <a:xfrm>
+            <a:off x="6411647" y="1700681"/>
+            <a:ext cx="1415840" cy="656621"/>
+          </a:xfrm>
+          <a:prstGeom prst="rect">
+            <a:avLst/>
+          </a:prstGeom>
+        </p:spPr>
+      </p:pic>
+      <p:pic>
+        <p:nvPicPr>
+          <p:cNvPr id="22" name="圖片 21"/>
+          <p:cNvPicPr>
+            <a:picLocks noChangeAspect="1"/>
+          </p:cNvPicPr>
+          <p:nvPr/>
+        </p:nvPicPr>
+        <p:blipFill>
+          <a:blip r:embed="rId11" cstate="print">
+            <a:extLst>
+              <a:ext uri="{28A0092B-C50C-407E-A947-70E740481C1C}">
+                <a14:useLocalDpi xmlns:a14="http://schemas.microsoft.com/office/drawing/2010/main" val="0"/>
+              </a:ext>
+            </a:extLst>
+          </a:blip>
+          <a:stretch>
+            <a:fillRect/>
+          </a:stretch>
+        </p:blipFill>
+        <p:spPr>
+          <a:xfrm>
+            <a:off x="8777774" y="1009287"/>
+            <a:ext cx="1760223" cy="1760223"/>
+          </a:xfrm>
+          <a:prstGeom prst="rect">
+            <a:avLst/>
+          </a:prstGeom>
+        </p:spPr>
+      </p:pic>
+      <p:pic>
+        <p:nvPicPr>
+          <p:cNvPr id="27" name="圖片 26"/>
           <p:cNvPicPr>
             <a:picLocks noChangeAspect="1"/>
           </p:cNvPicPr>
@@ -15517,8 +15794,8 @@
         </p:blipFill>
         <p:spPr>
           <a:xfrm>
-            <a:off x="4840379" y="1700680"/>
-            <a:ext cx="1415840" cy="656621"/>
+            <a:off x="10691968" y="4521941"/>
+            <a:ext cx="1325529" cy="1302101"/>
           </a:xfrm>
           <a:prstGeom prst="rect">
             <a:avLst/>
@@ -15527,104 +15804,14 @@
       </p:pic>
       <p:pic>
         <p:nvPicPr>
-          <p:cNvPr id="18" name="圖片 17"/>
+          <p:cNvPr id="28" name="圖片 27"/>
           <p:cNvPicPr>
             <a:picLocks noChangeAspect="1"/>
           </p:cNvPicPr>
           <p:nvPr/>
         </p:nvPicPr>
         <p:blipFill>
-          <a:blip r:embed="rId7" cstate="print">
-            <a:extLst>
-              <a:ext uri="{28A0092B-C50C-407E-A947-70E740481C1C}">
-                <a14:useLocalDpi xmlns:a14="http://schemas.microsoft.com/office/drawing/2010/main" val="0"/>
-              </a:ext>
-            </a:extLst>
-          </a:blip>
-          <a:stretch>
-            <a:fillRect/>
-          </a:stretch>
-        </p:blipFill>
-        <p:spPr>
-          <a:xfrm>
-            <a:off x="6411647" y="2379011"/>
-            <a:ext cx="1415840" cy="656621"/>
-          </a:xfrm>
-          <a:prstGeom prst="rect">
-            <a:avLst/>
-          </a:prstGeom>
-        </p:spPr>
-      </p:pic>
-      <p:pic>
-        <p:nvPicPr>
-          <p:cNvPr id="19" name="圖片 18"/>
-          <p:cNvPicPr>
-            <a:picLocks noChangeAspect="1"/>
-          </p:cNvPicPr>
-          <p:nvPr/>
-        </p:nvPicPr>
-        <p:blipFill>
-          <a:blip r:embed="rId7" cstate="print">
-            <a:extLst>
-              <a:ext uri="{28A0092B-C50C-407E-A947-70E740481C1C}">
-                <a14:useLocalDpi xmlns:a14="http://schemas.microsoft.com/office/drawing/2010/main" val="0"/>
-              </a:ext>
-            </a:extLst>
-          </a:blip>
-          <a:stretch>
-            <a:fillRect/>
-          </a:stretch>
-        </p:blipFill>
-        <p:spPr>
-          <a:xfrm>
-            <a:off x="4867703" y="2397169"/>
-            <a:ext cx="1415840" cy="656621"/>
-          </a:xfrm>
-          <a:prstGeom prst="rect">
-            <a:avLst/>
-          </a:prstGeom>
-        </p:spPr>
-      </p:pic>
-      <p:pic>
-        <p:nvPicPr>
-          <p:cNvPr id="20" name="圖片 19"/>
-          <p:cNvPicPr>
-            <a:picLocks noChangeAspect="1"/>
-          </p:cNvPicPr>
-          <p:nvPr/>
-        </p:nvPicPr>
-        <p:blipFill>
-          <a:blip r:embed="rId7" cstate="print">
-            <a:extLst>
-              <a:ext uri="{28A0092B-C50C-407E-A947-70E740481C1C}">
-                <a14:useLocalDpi xmlns:a14="http://schemas.microsoft.com/office/drawing/2010/main" val="0"/>
-              </a:ext>
-            </a:extLst>
-          </a:blip>
-          <a:stretch>
-            <a:fillRect/>
-          </a:stretch>
-        </p:blipFill>
-        <p:spPr>
-          <a:xfrm>
-            <a:off x="8010239" y="1710706"/>
-            <a:ext cx="1415840" cy="656621"/>
-          </a:xfrm>
-          <a:prstGeom prst="rect">
-            <a:avLst/>
-          </a:prstGeom>
-        </p:spPr>
-      </p:pic>
-      <p:pic>
-        <p:nvPicPr>
-          <p:cNvPr id="21" name="圖片 20"/>
-          <p:cNvPicPr>
-            <a:picLocks noChangeAspect="1"/>
-          </p:cNvPicPr>
-          <p:nvPr/>
-        </p:nvPicPr>
-        <p:blipFill>
-          <a:blip r:embed="rId8" cstate="print">
+          <a:blip r:embed="rId9" cstate="print">
             <a:duotone>
               <a:prstClr val="black"/>
               <a:schemeClr val="accent6">
@@ -15644,193 +15831,6 @@
         </p:blipFill>
         <p:spPr>
           <a:xfrm>
-            <a:off x="9711294" y="1947975"/>
-            <a:ext cx="874629" cy="973836"/>
-          </a:xfrm>
-          <a:prstGeom prst="rect">
-            <a:avLst/>
-          </a:prstGeom>
-        </p:spPr>
-      </p:pic>
-      <p:pic>
-        <p:nvPicPr>
-          <p:cNvPr id="24" name="圖片 23"/>
-          <p:cNvPicPr>
-            <a:picLocks noChangeAspect="1"/>
-          </p:cNvPicPr>
-          <p:nvPr/>
-        </p:nvPicPr>
-        <p:blipFill>
-          <a:blip r:embed="rId9" cstate="print">
-            <a:extLst>
-              <a:ext uri="{28A0092B-C50C-407E-A947-70E740481C1C}">
-                <a14:useLocalDpi xmlns:a14="http://schemas.microsoft.com/office/drawing/2010/main" val="0"/>
-              </a:ext>
-            </a:extLst>
-          </a:blip>
-          <a:stretch>
-            <a:fillRect/>
-          </a:stretch>
-        </p:blipFill>
-        <p:spPr>
-          <a:xfrm>
-            <a:off x="5974048" y="4341453"/>
-            <a:ext cx="3364999" cy="1709931"/>
-          </a:xfrm>
-          <a:prstGeom prst="rect">
-            <a:avLst/>
-          </a:prstGeom>
-        </p:spPr>
-      </p:pic>
-      <p:pic>
-        <p:nvPicPr>
-          <p:cNvPr id="25" name="圖片 24"/>
-          <p:cNvPicPr>
-            <a:picLocks noChangeAspect="1"/>
-          </p:cNvPicPr>
-          <p:nvPr/>
-        </p:nvPicPr>
-        <p:blipFill>
-          <a:blip r:embed="rId7" cstate="print">
-            <a:extLst>
-              <a:ext uri="{28A0092B-C50C-407E-A947-70E740481C1C}">
-                <a14:useLocalDpi xmlns:a14="http://schemas.microsoft.com/office/drawing/2010/main" val="0"/>
-              </a:ext>
-            </a:extLst>
-          </a:blip>
-          <a:stretch>
-            <a:fillRect/>
-          </a:stretch>
-        </p:blipFill>
-        <p:spPr>
-          <a:xfrm>
-            <a:off x="8010239" y="2402306"/>
-            <a:ext cx="1415840" cy="656621"/>
-          </a:xfrm>
-          <a:prstGeom prst="rect">
-            <a:avLst/>
-          </a:prstGeom>
-        </p:spPr>
-      </p:pic>
-      <p:pic>
-        <p:nvPicPr>
-          <p:cNvPr id="26" name="圖片 25"/>
-          <p:cNvPicPr>
-            <a:picLocks noChangeAspect="1"/>
-          </p:cNvPicPr>
-          <p:nvPr/>
-        </p:nvPicPr>
-        <p:blipFill>
-          <a:blip r:embed="rId7" cstate="print">
-            <a:extLst>
-              <a:ext uri="{28A0092B-C50C-407E-A947-70E740481C1C}">
-                <a14:useLocalDpi xmlns:a14="http://schemas.microsoft.com/office/drawing/2010/main" val="0"/>
-              </a:ext>
-            </a:extLst>
-          </a:blip>
-          <a:stretch>
-            <a:fillRect/>
-          </a:stretch>
-        </p:blipFill>
-        <p:spPr>
-          <a:xfrm>
-            <a:off x="6411647" y="1700681"/>
-            <a:ext cx="1415840" cy="656621"/>
-          </a:xfrm>
-          <a:prstGeom prst="rect">
-            <a:avLst/>
-          </a:prstGeom>
-        </p:spPr>
-      </p:pic>
-      <p:pic>
-        <p:nvPicPr>
-          <p:cNvPr id="22" name="圖片 21"/>
-          <p:cNvPicPr>
-            <a:picLocks noChangeAspect="1"/>
-          </p:cNvPicPr>
-          <p:nvPr/>
-        </p:nvPicPr>
-        <p:blipFill>
-          <a:blip r:embed="rId10" cstate="print">
-            <a:extLst>
-              <a:ext uri="{28A0092B-C50C-407E-A947-70E740481C1C}">
-                <a14:useLocalDpi xmlns:a14="http://schemas.microsoft.com/office/drawing/2010/main" val="0"/>
-              </a:ext>
-            </a:extLst>
-          </a:blip>
-          <a:stretch>
-            <a:fillRect/>
-          </a:stretch>
-        </p:blipFill>
-        <p:spPr>
-          <a:xfrm>
-            <a:off x="8777774" y="1009287"/>
-            <a:ext cx="1760223" cy="1760223"/>
-          </a:xfrm>
-          <a:prstGeom prst="rect">
-            <a:avLst/>
-          </a:prstGeom>
-        </p:spPr>
-      </p:pic>
-      <p:pic>
-        <p:nvPicPr>
-          <p:cNvPr id="27" name="圖片 26"/>
-          <p:cNvPicPr>
-            <a:picLocks noChangeAspect="1"/>
-          </p:cNvPicPr>
-          <p:nvPr/>
-        </p:nvPicPr>
-        <p:blipFill>
-          <a:blip r:embed="rId6" cstate="print">
-            <a:extLst>
-              <a:ext uri="{28A0092B-C50C-407E-A947-70E740481C1C}">
-                <a14:useLocalDpi xmlns:a14="http://schemas.microsoft.com/office/drawing/2010/main" val="0"/>
-              </a:ext>
-            </a:extLst>
-          </a:blip>
-          <a:stretch>
-            <a:fillRect/>
-          </a:stretch>
-        </p:blipFill>
-        <p:spPr>
-          <a:xfrm>
-            <a:off x="10691968" y="4521941"/>
-            <a:ext cx="1325529" cy="1302101"/>
-          </a:xfrm>
-          <a:prstGeom prst="rect">
-            <a:avLst/>
-          </a:prstGeom>
-        </p:spPr>
-      </p:pic>
-      <p:pic>
-        <p:nvPicPr>
-          <p:cNvPr id="28" name="圖片 27"/>
-          <p:cNvPicPr>
-            <a:picLocks noChangeAspect="1"/>
-          </p:cNvPicPr>
-          <p:nvPr/>
-        </p:nvPicPr>
-        <p:blipFill>
-          <a:blip r:embed="rId8" cstate="print">
-            <a:duotone>
-              <a:prstClr val="black"/>
-              <a:schemeClr val="accent6">
-                <a:tint val="45000"/>
-                <a:satMod val="400000"/>
-              </a:schemeClr>
-            </a:duotone>
-            <a:extLst>
-              <a:ext uri="{28A0092B-C50C-407E-A947-70E740481C1C}">
-                <a14:useLocalDpi xmlns:a14="http://schemas.microsoft.com/office/drawing/2010/main" val="0"/>
-              </a:ext>
-            </a:extLst>
-          </a:blip>
-          <a:stretch>
-            <a:fillRect/>
-          </a:stretch>
-        </p:blipFill>
-        <p:spPr>
-          <a:xfrm>
             <a:off x="9710522" y="4709501"/>
             <a:ext cx="874629" cy="973836"/>
           </a:xfrm>
@@ -15848,7 +15848,7 @@
           <p:nvPr/>
         </p:nvPicPr>
         <p:blipFill>
-          <a:blip r:embed="rId11" cstate="print">
+          <a:blip r:embed="rId12" cstate="print">
             <a:extLst>
               <a:ext uri="{28A0092B-C50C-407E-A947-70E740481C1C}">
                 <a14:useLocalDpi xmlns:a14="http://schemas.microsoft.com/office/drawing/2010/main" val="0"/>
@@ -17222,7 +17222,7 @@
             </a:r>
             <a:r>
               <a:rPr lang="en-US" altLang="zh-TW" b="1" dirty="0" smtClean="0"/>
-              <a:t>Opening</a:t>
+              <a:t>Open</a:t>
             </a:r>
             <a:r>
               <a:rPr lang="zh-TW" altLang="en-US" b="1" dirty="0" smtClean="0"/>
@@ -17238,20 +17238,9 @@
             </a:r>
             <a:r>
               <a:rPr lang="en-US" altLang="zh-TW" b="1" dirty="0" smtClean="0"/>
-              <a:t>in</a:t>
-            </a:r>
-            <a:r>
-              <a:rPr lang="zh-TW" altLang="en-US" b="1" dirty="0" smtClean="0"/>
-              <a:t> </a:t>
-            </a:r>
-            <a:r>
-              <a:rPr lang="en-US" altLang="zh-TW" b="1" dirty="0" err="1" smtClean="0"/>
-              <a:t>AirHappot</a:t>
-            </a:r>
-            <a:r>
-              <a:rPr lang="en-US" altLang="zh-TW" b="1" dirty="0" smtClean="0"/>
-              <a:t>: </a:t>
-            </a:r>
+              <a:t>We Create and Share: </a:t>
+            </a:r>
+            <a:endParaRPr lang="en-US" altLang="zh-TW" b="1" dirty="0" smtClean="0"/>
           </a:p>
           <a:p>
             <a:pPr lvl="1">
@@ -17342,8 +17331,8 @@
         </p:nvSpPr>
         <p:spPr>
           <a:xfrm rot="20695739">
-            <a:off x="6670685" y="2665923"/>
-            <a:ext cx="4828673" cy="1026694"/>
+            <a:off x="6230323" y="2661768"/>
+            <a:ext cx="5740254" cy="1026694"/>
           </a:xfrm>
           <a:prstGeom prst="roundRect">
             <a:avLst/>
@@ -17382,7 +17371,7 @@
                 <a:ea typeface="Comic Sans MS" charset="0"/>
                 <a:cs typeface="Comic Sans MS" charset="0"/>
               </a:rPr>
-              <a:t>The H</a:t>
+              <a:t>The </a:t>
             </a:r>
             <a:r>
               <a:rPr lang="en-US" altLang="zh-TW" sz="2000" dirty="0" smtClean="0">
@@ -17390,7 +17379,23 @@
                 <a:ea typeface="Comic Sans MS" charset="0"/>
                 <a:cs typeface="Comic Sans MS" charset="0"/>
               </a:rPr>
-              <a:t>igh Value </a:t>
+              <a:t>Innovative</a:t>
+            </a:r>
+            <a:r>
+              <a:rPr lang="en-US" altLang="zh-TW" sz="2000" dirty="0" smtClean="0">
+                <a:latin typeface="Comic Sans MS" charset="0"/>
+                <a:ea typeface="Comic Sans MS" charset="0"/>
+                <a:cs typeface="Comic Sans MS" charset="0"/>
+              </a:rPr>
+              <a:t> </a:t>
+            </a:r>
+            <a:r>
+              <a:rPr lang="en-US" altLang="zh-TW" sz="2000" dirty="0" smtClean="0">
+                <a:latin typeface="Comic Sans MS" charset="0"/>
+                <a:ea typeface="Comic Sans MS" charset="0"/>
+                <a:cs typeface="Comic Sans MS" charset="0"/>
+              </a:rPr>
+              <a:t>Value </a:t>
             </a:r>
             <a:r>
               <a:rPr lang="en-US" altLang="zh-TW" sz="2000" dirty="0">
@@ -17406,7 +17411,15 @@
                 <a:ea typeface="Comic Sans MS" charset="0"/>
                 <a:cs typeface="Comic Sans MS" charset="0"/>
               </a:rPr>
-              <a:t>Analysis within !!!</a:t>
+              <a:t>Deep Analysis </a:t>
+            </a:r>
+            <a:r>
+              <a:rPr lang="en-US" altLang="zh-TW" sz="2000" dirty="0" smtClean="0">
+                <a:latin typeface="Comic Sans MS" charset="0"/>
+                <a:ea typeface="Comic Sans MS" charset="0"/>
+                <a:cs typeface="Comic Sans MS" charset="0"/>
+              </a:rPr>
+              <a:t>!!!</a:t>
             </a:r>
             <a:endParaRPr lang="zh-TW" altLang="en-US" sz="2000" dirty="0">
               <a:latin typeface="Comic Sans MS" charset="0"/>
@@ -18603,13 +18616,13 @@
   <p:clrMapOvr>
     <a:masterClrMapping/>
   </p:clrMapOvr>
-  <mc:AlternateContent xmlns:mc="http://schemas.openxmlformats.org/markup-compatibility/2006">
-    <mc:Choice xmlns:p14="http://schemas.microsoft.com/office/powerpoint/2010/main" Requires="p14">
+  <mc:AlternateContent xmlns:mc="http://schemas.openxmlformats.org/markup-compatibility/2006" xmlns:p14="http://schemas.microsoft.com/office/powerpoint/2010/main">
+    <mc:Choice Requires="p14">
       <p:transition p14:dur="250">
         <p:fade/>
       </p:transition>
     </mc:Choice>
-    <mc:Fallback>
+    <mc:Fallback xmlns="">
       <p:transition>
         <p:fade/>
       </p:transition>
@@ -18880,7 +18893,7 @@
   <a:extraClrSchemeLst/>
   <a:extLst>
     <a:ext uri="{05A4C25C-085E-4340-85A3-A5531E510DB2}">
-      <thm15:themeFamily xmlns:thm15="http://schemas.microsoft.com/office/thememl/2012/main" name="Office Theme" id="{62F939B6-93AF-4DB8-9C6B-D6C7DFDC589F}" vid="{4A3C46E8-61CC-4603-A589-7422A47A8E4A}"/>
+      <thm15:themeFamily xmlns:thm15="http://schemas.microsoft.com/office/thememl/2012/main" xmlns="" name="Office Theme" id="{62F939B6-93AF-4DB8-9C6B-D6C7DFDC589F}" vid="{4A3C46E8-61CC-4603-A589-7422A47A8E4A}"/>
     </a:ext>
   </a:extLst>
 </a:theme>
@@ -19141,7 +19154,7 @@
   <a:extraClrSchemeLst/>
   <a:extLst>
     <a:ext uri="{05A4C25C-085E-4340-85A3-A5531E510DB2}">
-      <thm15:themeFamily xmlns:thm15="http://schemas.microsoft.com/office/thememl/2012/main" name="Office Theme" id="{62F939B6-93AF-4DB8-9C6B-D6C7DFDC589F}" vid="{4A3C46E8-61CC-4603-A589-7422A47A8E4A}"/>
+      <thm15:themeFamily xmlns:thm15="http://schemas.microsoft.com/office/thememl/2012/main" xmlns="" name="Office Theme" id="{62F939B6-93AF-4DB8-9C6B-D6C7DFDC589F}" vid="{4A3C46E8-61CC-4603-A589-7422A47A8E4A}"/>
     </a:ext>
   </a:extLst>
 </a:theme>
